--- a/clases/Cap02_Geometria/presentaciones/CV02_Transformation3D.pptx
+++ b/clases/Cap02_Geometria/presentaciones/CV02_Transformation3D.pptx
@@ -220,7 +220,7 @@
           <a:p>
             <a:fld id="{089CB84B-3086-824D-91F5-F571CFDD3E7D}" type="datetimeFigureOut">
               <a:rPr lang="en-US" smtClean="0"/>
-              <a:t>7/26/19</a:t>
+              <a:t>8/12/19</a:t>
             </a:fld>
             <a:endParaRPr lang="en-US"/>
           </a:p>
@@ -1734,7 +1734,7 @@
           <a:p>
             <a:fld id="{D3AE09B4-90D0-1245-B83D-B1B2932963E4}" type="datetimeFigureOut">
               <a:rPr lang="en-US" smtClean="0"/>
-              <a:t>7/26/19</a:t>
+              <a:t>8/12/19</a:t>
             </a:fld>
             <a:endParaRPr lang="en-US"/>
           </a:p>
@@ -1904,7 +1904,7 @@
           <a:p>
             <a:fld id="{D3AE09B4-90D0-1245-B83D-B1B2932963E4}" type="datetimeFigureOut">
               <a:rPr lang="en-US" smtClean="0"/>
-              <a:t>7/26/19</a:t>
+              <a:t>8/12/19</a:t>
             </a:fld>
             <a:endParaRPr lang="en-US"/>
           </a:p>
@@ -2084,7 +2084,7 @@
           <a:p>
             <a:fld id="{D3AE09B4-90D0-1245-B83D-B1B2932963E4}" type="datetimeFigureOut">
               <a:rPr lang="en-US" smtClean="0"/>
-              <a:t>7/26/19</a:t>
+              <a:t>8/12/19</a:t>
             </a:fld>
             <a:endParaRPr lang="en-US"/>
           </a:p>
@@ -2254,7 +2254,7 @@
           <a:p>
             <a:fld id="{D3AE09B4-90D0-1245-B83D-B1B2932963E4}" type="datetimeFigureOut">
               <a:rPr lang="en-US" smtClean="0"/>
-              <a:t>7/26/19</a:t>
+              <a:t>8/12/19</a:t>
             </a:fld>
             <a:endParaRPr lang="en-US"/>
           </a:p>
@@ -2500,7 +2500,7 @@
           <a:p>
             <a:fld id="{D3AE09B4-90D0-1245-B83D-B1B2932963E4}" type="datetimeFigureOut">
               <a:rPr lang="en-US" smtClean="0"/>
-              <a:t>7/26/19</a:t>
+              <a:t>8/12/19</a:t>
             </a:fld>
             <a:endParaRPr lang="en-US"/>
           </a:p>
@@ -2788,7 +2788,7 @@
           <a:p>
             <a:fld id="{D3AE09B4-90D0-1245-B83D-B1B2932963E4}" type="datetimeFigureOut">
               <a:rPr lang="en-US" smtClean="0"/>
-              <a:t>7/26/19</a:t>
+              <a:t>8/12/19</a:t>
             </a:fld>
             <a:endParaRPr lang="en-US"/>
           </a:p>
@@ -3210,7 +3210,7 @@
           <a:p>
             <a:fld id="{D3AE09B4-90D0-1245-B83D-B1B2932963E4}" type="datetimeFigureOut">
               <a:rPr lang="en-US" smtClean="0"/>
-              <a:t>7/26/19</a:t>
+              <a:t>8/12/19</a:t>
             </a:fld>
             <a:endParaRPr lang="en-US"/>
           </a:p>
@@ -3328,7 +3328,7 @@
           <a:p>
             <a:fld id="{D3AE09B4-90D0-1245-B83D-B1B2932963E4}" type="datetimeFigureOut">
               <a:rPr lang="en-US" smtClean="0"/>
-              <a:t>7/26/19</a:t>
+              <a:t>8/12/19</a:t>
             </a:fld>
             <a:endParaRPr lang="en-US"/>
           </a:p>
@@ -3423,7 +3423,7 @@
           <a:p>
             <a:fld id="{D3AE09B4-90D0-1245-B83D-B1B2932963E4}" type="datetimeFigureOut">
               <a:rPr lang="en-US" smtClean="0"/>
-              <a:t>7/26/19</a:t>
+              <a:t>8/12/19</a:t>
             </a:fld>
             <a:endParaRPr lang="en-US"/>
           </a:p>
@@ -3700,7 +3700,7 @@
           <a:p>
             <a:fld id="{D3AE09B4-90D0-1245-B83D-B1B2932963E4}" type="datetimeFigureOut">
               <a:rPr lang="en-US" smtClean="0"/>
-              <a:t>7/26/19</a:t>
+              <a:t>8/12/19</a:t>
             </a:fld>
             <a:endParaRPr lang="en-US"/>
           </a:p>
@@ -3953,7 +3953,7 @@
           <a:p>
             <a:fld id="{D3AE09B4-90D0-1245-B83D-B1B2932963E4}" type="datetimeFigureOut">
               <a:rPr lang="en-US" smtClean="0"/>
-              <a:t>7/26/19</a:t>
+              <a:t>8/12/19</a:t>
             </a:fld>
             <a:endParaRPr lang="en-US"/>
           </a:p>
@@ -4164,7 +4164,7 @@
           <a:p>
             <a:fld id="{D3AE09B4-90D0-1245-B83D-B1B2932963E4}" type="datetimeFigureOut">
               <a:rPr lang="en-US" smtClean="0"/>
-              <a:t>7/26/19</a:t>
+              <a:t>8/12/19</a:t>
             </a:fld>
             <a:endParaRPr lang="en-US"/>
           </a:p>
@@ -7971,7 +7971,7 @@
           <a:graphicData uri="http://schemas.openxmlformats.org/presentationml/2006/ole">
             <mc:AlternateContent xmlns:mc="http://schemas.openxmlformats.org/markup-compatibility/2006">
               <mc:Choice xmlns:v="urn:schemas-microsoft-com:vml" Requires="v">
-                <p:oleObj spid="_x0000_s6151" name="Fotografía de Photo Editor" r:id="rId4" imgW="3715269" imgH="2419048" progId="">
+                <p:oleObj spid="_x0000_s6152" name="Fotografía de Photo Editor" r:id="rId4" imgW="3715269" imgH="2419048" progId="">
                   <p:embed/>
                 </p:oleObj>
               </mc:Choice>
@@ -8014,14 +8014,14 @@
                       <a:effectLst/>
                       <a:extLst>
                         <a:ext uri="{909E8E84-426E-40dd-AFC4-6F175D3DCCD1}">
-                          <a14:hiddenFill xmlns:a14="http://schemas.microsoft.com/office/drawing/2010/main" xmlns="">
+                          <a14:hiddenFill xmlns="" xmlns:a14="http://schemas.microsoft.com/office/drawing/2010/main">
                             <a:solidFill>
                               <a:schemeClr val="accent1"/>
                             </a:solidFill>
                           </a14:hiddenFill>
                         </a:ext>
                         <a:ext uri="{91240B29-F687-4f45-9708-019B960494DF}">
-                          <a14:hiddenLine xmlns:a14="http://schemas.microsoft.com/office/drawing/2010/main" xmlns="" w="9525">
+                          <a14:hiddenLine xmlns="" xmlns:a14="http://schemas.microsoft.com/office/drawing/2010/main" w="9525">
                             <a:solidFill>
                               <a:schemeClr val="tx1"/>
                             </a:solidFill>
@@ -8031,7 +8031,7 @@
                           </a14:hiddenLine>
                         </a:ext>
                         <a:ext uri="{AF507438-7753-43e0-B8FC-AC1667EBCBE1}">
-                          <a14:hiddenEffects xmlns:a14="http://schemas.microsoft.com/office/drawing/2010/main" xmlns="">
+                          <a14:hiddenEffects xmlns="" xmlns:a14="http://schemas.microsoft.com/office/drawing/2010/main">
                             <a:effectLst>
                               <a:outerShdw blurRad="63500" dist="38099" dir="2700000" algn="ctr" rotWithShape="0">
                                 <a:schemeClr val="bg2">
@@ -8416,7 +8416,7 @@
           <a:graphicData uri="http://schemas.openxmlformats.org/presentationml/2006/ole">
             <mc:AlternateContent xmlns:mc="http://schemas.openxmlformats.org/markup-compatibility/2006">
               <mc:Choice xmlns:v="urn:schemas-microsoft-com:vml" Requires="v">
-                <p:oleObj spid="_x0000_s7179" name="Fotografía de Photo Editor" r:id="rId4" imgW="4772691" imgH="695238" progId="">
+                <p:oleObj spid="_x0000_s7181" name="Fotografía de Photo Editor" r:id="rId4" imgW="4772691" imgH="695238" progId="">
                   <p:embed/>
                 </p:oleObj>
               </mc:Choice>
@@ -8459,14 +8459,14 @@
                       <a:effectLst/>
                       <a:extLst>
                         <a:ext uri="{909E8E84-426E-40dd-AFC4-6F175D3DCCD1}">
-                          <a14:hiddenFill xmlns:a14="http://schemas.microsoft.com/office/drawing/2010/main" xmlns="">
+                          <a14:hiddenFill xmlns="" xmlns:a14="http://schemas.microsoft.com/office/drawing/2010/main">
                             <a:solidFill>
                               <a:schemeClr val="accent1"/>
                             </a:solidFill>
                           </a14:hiddenFill>
                         </a:ext>
                         <a:ext uri="{91240B29-F687-4f45-9708-019B960494DF}">
-                          <a14:hiddenLine xmlns:a14="http://schemas.microsoft.com/office/drawing/2010/main" xmlns="" w="9525">
+                          <a14:hiddenLine xmlns="" xmlns:a14="http://schemas.microsoft.com/office/drawing/2010/main" w="9525">
                             <a:solidFill>
                               <a:schemeClr val="tx1"/>
                             </a:solidFill>
@@ -8476,7 +8476,7 @@
                           </a14:hiddenLine>
                         </a:ext>
                         <a:ext uri="{AF507438-7753-43e0-B8FC-AC1667EBCBE1}">
-                          <a14:hiddenEffects xmlns:a14="http://schemas.microsoft.com/office/drawing/2010/main" xmlns="">
+                          <a14:hiddenEffects xmlns="" xmlns:a14="http://schemas.microsoft.com/office/drawing/2010/main">
                             <a:effectLst>
                               <a:outerShdw blurRad="63500" dist="38099" dir="2700000" algn="ctr" rotWithShape="0">
                                 <a:schemeClr val="bg2">
@@ -8511,7 +8511,7 @@
           <a:graphicData uri="http://schemas.openxmlformats.org/presentationml/2006/ole">
             <mc:AlternateContent xmlns:mc="http://schemas.openxmlformats.org/markup-compatibility/2006">
               <mc:Choice xmlns:v="urn:schemas-microsoft-com:vml" Requires="v">
-                <p:oleObj spid="_x0000_s7180" name="Fotografía de Photo Editor" r:id="rId6" imgW="4038095" imgH="1943371" progId="">
+                <p:oleObj spid="_x0000_s7182" name="Fotografía de Photo Editor" r:id="rId6" imgW="4038095" imgH="1943371" progId="">
                   <p:embed/>
                 </p:oleObj>
               </mc:Choice>
@@ -8554,14 +8554,14 @@
                       <a:effectLst/>
                       <a:extLst>
                         <a:ext uri="{909E8E84-426E-40dd-AFC4-6F175D3DCCD1}">
-                          <a14:hiddenFill xmlns:a14="http://schemas.microsoft.com/office/drawing/2010/main" xmlns="">
+                          <a14:hiddenFill xmlns="" xmlns:a14="http://schemas.microsoft.com/office/drawing/2010/main">
                             <a:solidFill>
                               <a:schemeClr val="accent1"/>
                             </a:solidFill>
                           </a14:hiddenFill>
                         </a:ext>
                         <a:ext uri="{91240B29-F687-4f45-9708-019B960494DF}">
-                          <a14:hiddenLine xmlns:a14="http://schemas.microsoft.com/office/drawing/2010/main" xmlns="" w="9525">
+                          <a14:hiddenLine xmlns="" xmlns:a14="http://schemas.microsoft.com/office/drawing/2010/main" w="9525">
                             <a:solidFill>
                               <a:schemeClr val="tx1"/>
                             </a:solidFill>
@@ -8571,7 +8571,7 @@
                           </a14:hiddenLine>
                         </a:ext>
                         <a:ext uri="{AF507438-7753-43e0-B8FC-AC1667EBCBE1}">
-                          <a14:hiddenEffects xmlns:a14="http://schemas.microsoft.com/office/drawing/2010/main" xmlns="">
+                          <a14:hiddenEffects xmlns="" xmlns:a14="http://schemas.microsoft.com/office/drawing/2010/main">
                             <a:effectLst>
                               <a:outerShdw blurRad="63500" dist="38099" dir="2700000" algn="ctr" rotWithShape="0">
                                 <a:schemeClr val="bg2">
@@ -8778,7 +8778,7 @@
           <a:graphicData uri="http://schemas.openxmlformats.org/presentationml/2006/ole">
             <mc:AlternateContent xmlns:mc="http://schemas.openxmlformats.org/markup-compatibility/2006">
               <mc:Choice xmlns:v="urn:schemas-microsoft-com:vml" Requires="v">
-                <p:oleObj spid="_x0000_s8199" name="Fotografía de Photo Editor" r:id="rId4" imgW="2219635" imgH="1028844" progId="">
+                <p:oleObj spid="_x0000_s8200" name="Fotografía de Photo Editor" r:id="rId4" imgW="2219635" imgH="1028844" progId="">
                   <p:embed/>
                 </p:oleObj>
               </mc:Choice>
@@ -8821,14 +8821,14 @@
                       <a:effectLst/>
                       <a:extLst>
                         <a:ext uri="{909E8E84-426E-40dd-AFC4-6F175D3DCCD1}">
-                          <a14:hiddenFill xmlns:a14="http://schemas.microsoft.com/office/drawing/2010/main" xmlns="">
+                          <a14:hiddenFill xmlns="" xmlns:a14="http://schemas.microsoft.com/office/drawing/2010/main">
                             <a:solidFill>
                               <a:schemeClr val="accent1"/>
                             </a:solidFill>
                           </a14:hiddenFill>
                         </a:ext>
                         <a:ext uri="{91240B29-F687-4f45-9708-019B960494DF}">
-                          <a14:hiddenLine xmlns:a14="http://schemas.microsoft.com/office/drawing/2010/main" xmlns="" w="9525">
+                          <a14:hiddenLine xmlns="" xmlns:a14="http://schemas.microsoft.com/office/drawing/2010/main" w="9525">
                             <a:solidFill>
                               <a:schemeClr val="tx1"/>
                             </a:solidFill>
@@ -8838,7 +8838,7 @@
                           </a14:hiddenLine>
                         </a:ext>
                         <a:ext uri="{AF507438-7753-43e0-B8FC-AC1667EBCBE1}">
-                          <a14:hiddenEffects xmlns:a14="http://schemas.microsoft.com/office/drawing/2010/main" xmlns="">
+                          <a14:hiddenEffects xmlns="" xmlns:a14="http://schemas.microsoft.com/office/drawing/2010/main">
                             <a:effectLst>
                               <a:outerShdw blurRad="63500" dist="38099" dir="2700000" algn="ctr" rotWithShape="0">
                                 <a:schemeClr val="bg2">
@@ -8849,7 +8849,7 @@
                           </a14:hiddenEffects>
                         </a:ext>
                         <a:ext uri="{FAA26D3D-D897-4be2-8F04-BA451C77F1D7}">
-                          <ma14:placeholderFlag xmlns:ma14="http://schemas.microsoft.com/office/mac/drawingml/2011/main" xmlns="" val="1"/>
+                          <ma14:placeholderFlag xmlns="" xmlns:ma14="http://schemas.microsoft.com/office/mac/drawingml/2011/main" val="1"/>
                         </a:ext>
                       </a:extLst>
                     </p:spPr>
@@ -8898,8 +8898,8 @@
         </p:nvSpPr>
         <p:spPr>
           <a:xfrm>
-            <a:off x="3509924" y="2634445"/>
-            <a:ext cx="2200054" cy="923330"/>
+            <a:off x="3507726" y="2634445"/>
+            <a:ext cx="2204450" cy="923330"/>
           </a:xfrm>
           <a:prstGeom prst="rect">
             <a:avLst/>
@@ -8931,11 +8931,18 @@
           <a:p>
             <a:pPr algn="ctr"/>
             <a:r>
+              <a:rPr lang="en-US">
+                <a:latin typeface="Trebuchet MS"/>
+                <a:cs typeface="Trebuchet MS"/>
+              </a:rPr>
+              <a:t>CV02_3DPyramid</a:t>
+            </a:r>
+            <a:r>
               <a:rPr lang="en-US" dirty="0">
                 <a:latin typeface="Trebuchet MS"/>
                 <a:cs typeface="Trebuchet MS"/>
               </a:rPr>
-              <a:t>CV04_3DPyramid.m</a:t>
+              <a:t>.m</a:t>
             </a:r>
           </a:p>
         </p:txBody>
@@ -13875,7 +13882,7 @@
           <a:graphicData uri="http://schemas.openxmlformats.org/presentationml/2006/ole">
             <mc:AlternateContent xmlns:mc="http://schemas.openxmlformats.org/markup-compatibility/2006">
               <mc:Choice xmlns:v="urn:schemas-microsoft-com:vml" Requires="v">
-                <p:oleObj spid="_x0000_s5131" name="Ecuación" r:id="rId4" imgW="939600" imgH="711000" progId="Equation.3">
+                <p:oleObj spid="_x0000_s5133" name="Ecuación" r:id="rId4" imgW="939600" imgH="711000" progId="Equation.3">
                   <p:embed/>
                 </p:oleObj>
               </mc:Choice>
@@ -13938,7 +13945,7 @@
           <a:graphicData uri="http://schemas.openxmlformats.org/presentationml/2006/ole">
             <mc:AlternateContent xmlns:mc="http://schemas.openxmlformats.org/markup-compatibility/2006">
               <mc:Choice xmlns:v="urn:schemas-microsoft-com:vml" Requires="v">
-                <p:oleObj spid="_x0000_s5132" name="Equation" r:id="rId6" imgW="1638000" imgH="914400" progId="Equation.3">
+                <p:oleObj spid="_x0000_s5134" name="Equation" r:id="rId6" imgW="1638000" imgH="914400" progId="Equation.3">
                   <p:embed/>
                 </p:oleObj>
               </mc:Choice>
